--- a/cpu_1/新建 Microsoft PowerPoint 演示文稿.pptx
+++ b/cpu_1/新建 Microsoft PowerPoint 演示文稿.pptx
@@ -263,7 +263,7 @@
           <a:p>
             <a:fld id="{A1C3BBD2-0EDD-4364-AA38-58BD1BCA9D95}" type="datetimeFigureOut">
               <a:rPr lang="zh-CN" altLang="en-US" smtClean="0"/>
-              <a:t>2025/5/1</a:t>
+              <a:t>2025/5/6</a:t>
             </a:fld>
             <a:endParaRPr lang="zh-CN" altLang="en-US"/>
           </a:p>
@@ -461,7 +461,7 @@
           <a:p>
             <a:fld id="{A1C3BBD2-0EDD-4364-AA38-58BD1BCA9D95}" type="datetimeFigureOut">
               <a:rPr lang="zh-CN" altLang="en-US" smtClean="0"/>
-              <a:t>2025/5/1</a:t>
+              <a:t>2025/5/6</a:t>
             </a:fld>
             <a:endParaRPr lang="zh-CN" altLang="en-US"/>
           </a:p>
@@ -669,7 +669,7 @@
           <a:p>
             <a:fld id="{A1C3BBD2-0EDD-4364-AA38-58BD1BCA9D95}" type="datetimeFigureOut">
               <a:rPr lang="zh-CN" altLang="en-US" smtClean="0"/>
-              <a:t>2025/5/1</a:t>
+              <a:t>2025/5/6</a:t>
             </a:fld>
             <a:endParaRPr lang="zh-CN" altLang="en-US"/>
           </a:p>
@@ -867,7 +867,7 @@
           <a:p>
             <a:fld id="{A1C3BBD2-0EDD-4364-AA38-58BD1BCA9D95}" type="datetimeFigureOut">
               <a:rPr lang="zh-CN" altLang="en-US" smtClean="0"/>
-              <a:t>2025/5/1</a:t>
+              <a:t>2025/5/6</a:t>
             </a:fld>
             <a:endParaRPr lang="zh-CN" altLang="en-US"/>
           </a:p>
@@ -1142,7 +1142,7 @@
           <a:p>
             <a:fld id="{A1C3BBD2-0EDD-4364-AA38-58BD1BCA9D95}" type="datetimeFigureOut">
               <a:rPr lang="zh-CN" altLang="en-US" smtClean="0"/>
-              <a:t>2025/5/1</a:t>
+              <a:t>2025/5/6</a:t>
             </a:fld>
             <a:endParaRPr lang="zh-CN" altLang="en-US"/>
           </a:p>
@@ -1407,7 +1407,7 @@
           <a:p>
             <a:fld id="{A1C3BBD2-0EDD-4364-AA38-58BD1BCA9D95}" type="datetimeFigureOut">
               <a:rPr lang="zh-CN" altLang="en-US" smtClean="0"/>
-              <a:t>2025/5/1</a:t>
+              <a:t>2025/5/6</a:t>
             </a:fld>
             <a:endParaRPr lang="zh-CN" altLang="en-US"/>
           </a:p>
@@ -1819,7 +1819,7 @@
           <a:p>
             <a:fld id="{A1C3BBD2-0EDD-4364-AA38-58BD1BCA9D95}" type="datetimeFigureOut">
               <a:rPr lang="zh-CN" altLang="en-US" smtClean="0"/>
-              <a:t>2025/5/1</a:t>
+              <a:t>2025/5/6</a:t>
             </a:fld>
             <a:endParaRPr lang="zh-CN" altLang="en-US"/>
           </a:p>
@@ -1960,7 +1960,7 @@
           <a:p>
             <a:fld id="{A1C3BBD2-0EDD-4364-AA38-58BD1BCA9D95}" type="datetimeFigureOut">
               <a:rPr lang="zh-CN" altLang="en-US" smtClean="0"/>
-              <a:t>2025/5/1</a:t>
+              <a:t>2025/5/6</a:t>
             </a:fld>
             <a:endParaRPr lang="zh-CN" altLang="en-US"/>
           </a:p>
@@ -2073,7 +2073,7 @@
           <a:p>
             <a:fld id="{A1C3BBD2-0EDD-4364-AA38-58BD1BCA9D95}" type="datetimeFigureOut">
               <a:rPr lang="zh-CN" altLang="en-US" smtClean="0"/>
-              <a:t>2025/5/1</a:t>
+              <a:t>2025/5/6</a:t>
             </a:fld>
             <a:endParaRPr lang="zh-CN" altLang="en-US"/>
           </a:p>
@@ -2384,7 +2384,7 @@
           <a:p>
             <a:fld id="{A1C3BBD2-0EDD-4364-AA38-58BD1BCA9D95}" type="datetimeFigureOut">
               <a:rPr lang="zh-CN" altLang="en-US" smtClean="0"/>
-              <a:t>2025/5/1</a:t>
+              <a:t>2025/5/6</a:t>
             </a:fld>
             <a:endParaRPr lang="zh-CN" altLang="en-US"/>
           </a:p>
@@ -2672,7 +2672,7 @@
           <a:p>
             <a:fld id="{A1C3BBD2-0EDD-4364-AA38-58BD1BCA9D95}" type="datetimeFigureOut">
               <a:rPr lang="zh-CN" altLang="en-US" smtClean="0"/>
-              <a:t>2025/5/1</a:t>
+              <a:t>2025/5/6</a:t>
             </a:fld>
             <a:endParaRPr lang="zh-CN" altLang="en-US"/>
           </a:p>
@@ -2913,7 +2913,7 @@
           <a:p>
             <a:fld id="{A1C3BBD2-0EDD-4364-AA38-58BD1BCA9D95}" type="datetimeFigureOut">
               <a:rPr lang="zh-CN" altLang="en-US" smtClean="0"/>
-              <a:t>2025/5/1</a:t>
+              <a:t>2025/5/6</a:t>
             </a:fld>
             <a:endParaRPr lang="zh-CN" altLang="en-US"/>
           </a:p>
@@ -6140,7 +6140,7 @@
             </a:extLst>
           </p:cNvPr>
           <p:cNvSpPr>
-            <a:spLocks noGrp="1" noRot="1" noMove="1" noResize="1" noEditPoints="1" noAdjustHandles="1" noChangeArrowheads="1" noChangeShapeType="1"/>
+            <a:spLocks/>
           </p:cNvSpPr>
           <p:nvPr/>
         </p:nvSpPr>
@@ -6196,7 +6196,7 @@
             </a:extLst>
           </p:cNvPr>
           <p:cNvSpPr>
-            <a:spLocks noGrp="1" noRot="1" noMove="1" noResize="1" noEditPoints="1" noAdjustHandles="1" noChangeArrowheads="1" noChangeShapeType="1"/>
+            <a:spLocks/>
           </p:cNvSpPr>
           <p:nvPr/>
         </p:nvSpPr>
@@ -6264,7 +6264,7 @@
             </a:extLst>
           </p:cNvPr>
           <p:cNvCxnSpPr>
-            <a:cxnSpLocks noGrp="1" noRot="1" noMove="1" noResize="1" noEditPoints="1" noAdjustHandles="1" noChangeArrowheads="1" noChangeShapeType="1"/>
+            <a:cxnSpLocks/>
           </p:cNvCxnSpPr>
           <p:nvPr/>
         </p:nvCxnSpPr>
@@ -6308,7 +6308,7 @@
             </a:extLst>
           </p:cNvPr>
           <p:cNvSpPr txBox="1">
-            <a:spLocks noGrp="1" noRot="1" noMove="1" noResize="1" noEditPoints="1" noAdjustHandles="1" noChangeArrowheads="1" noChangeShapeType="1"/>
+            <a:spLocks/>
           </p:cNvSpPr>
           <p:nvPr/>
         </p:nvSpPr>
@@ -6346,7 +6346,7 @@
             </a:extLst>
           </p:cNvPr>
           <p:cNvCxnSpPr>
-            <a:cxnSpLocks noGrp="1" noRot="1" noMove="1" noResize="1" noEditPoints="1" noAdjustHandles="1" noChangeArrowheads="1" noChangeShapeType="1"/>
+            <a:cxnSpLocks/>
           </p:cNvCxnSpPr>
           <p:nvPr/>
         </p:nvCxnSpPr>
@@ -6390,7 +6390,7 @@
             </a:extLst>
           </p:cNvPr>
           <p:cNvSpPr txBox="1">
-            <a:spLocks noGrp="1" noRot="1" noMove="1" noResize="1" noEditPoints="1" noAdjustHandles="1" noChangeArrowheads="1" noChangeShapeType="1"/>
+            <a:spLocks/>
           </p:cNvSpPr>
           <p:nvPr/>
         </p:nvSpPr>
@@ -6405,7 +6405,7 @@
           <a:noFill/>
         </p:spPr>
         <p:txBody>
-          <a:bodyPr wrap="none" rtlCol="0">
+          <a:bodyPr wrap="square" rtlCol="0">
             <a:spAutoFit/>
           </a:bodyPr>
           <a:lstStyle/>
@@ -6428,7 +6428,7 @@
             </a:extLst>
           </p:cNvPr>
           <p:cNvCxnSpPr>
-            <a:cxnSpLocks noGrp="1" noRot="1" noMove="1" noResize="1" noEditPoints="1" noAdjustHandles="1" noChangeArrowheads="1" noChangeShapeType="1"/>
+            <a:cxnSpLocks/>
           </p:cNvCxnSpPr>
           <p:nvPr/>
         </p:nvCxnSpPr>
@@ -6472,7 +6472,7 @@
             </a:extLst>
           </p:cNvPr>
           <p:cNvSpPr txBox="1">
-            <a:spLocks noGrp="1" noRot="1" noMove="1" noResize="1" noEditPoints="1" noAdjustHandles="1" noChangeArrowheads="1" noChangeShapeType="1"/>
+            <a:spLocks/>
           </p:cNvSpPr>
           <p:nvPr/>
         </p:nvSpPr>
@@ -6487,7 +6487,7 @@
           <a:noFill/>
         </p:spPr>
         <p:txBody>
-          <a:bodyPr wrap="none" rtlCol="0">
+          <a:bodyPr wrap="square" rtlCol="0">
             <a:spAutoFit/>
           </a:bodyPr>
           <a:lstStyle/>
@@ -6510,7 +6510,7 @@
             </a:extLst>
           </p:cNvPr>
           <p:cNvGrpSpPr>
-            <a:grpSpLocks noGrp="1" noUngrp="1" noRot="1" noMove="1" noResize="1"/>
+            <a:grpSpLocks/>
           </p:cNvGrpSpPr>
           <p:nvPr/>
         </p:nvGrpSpPr>
@@ -6532,7 +6532,7 @@
               </a:extLst>
             </p:cNvPr>
             <p:cNvCxnSpPr>
-              <a:cxnSpLocks noGrp="1" noRot="1" noMove="1" noResize="1" noEditPoints="1" noAdjustHandles="1" noChangeArrowheads="1" noChangeShapeType="1"/>
+              <a:cxnSpLocks/>
             </p:cNvCxnSpPr>
             <p:nvPr/>
           </p:nvCxnSpPr>
@@ -6575,7 +6575,7 @@
               </a:extLst>
             </p:cNvPr>
             <p:cNvCxnSpPr>
-              <a:cxnSpLocks noGrp="1" noRot="1" noMove="1" noResize="1" noEditPoints="1" noAdjustHandles="1" noChangeArrowheads="1" noChangeShapeType="1"/>
+              <a:cxnSpLocks/>
             </p:cNvCxnSpPr>
             <p:nvPr/>
           </p:nvCxnSpPr>
@@ -6620,7 +6620,7 @@
             </a:extLst>
           </p:cNvPr>
           <p:cNvSpPr txBox="1">
-            <a:spLocks noGrp="1" noRot="1" noMove="1" noResize="1" noEditPoints="1" noAdjustHandles="1" noChangeArrowheads="1" noChangeShapeType="1"/>
+            <a:spLocks/>
           </p:cNvSpPr>
           <p:nvPr/>
         </p:nvSpPr>
@@ -6635,7 +6635,7 @@
           <a:noFill/>
         </p:spPr>
         <p:txBody>
-          <a:bodyPr wrap="none" rtlCol="0">
+          <a:bodyPr wrap="square" rtlCol="0">
             <a:spAutoFit/>
           </a:bodyPr>
           <a:lstStyle/>
@@ -6658,7 +6658,7 @@
             </a:extLst>
           </p:cNvPr>
           <p:cNvCxnSpPr>
-            <a:cxnSpLocks noGrp="1" noRot="1" noMove="1" noResize="1" noEditPoints="1" noAdjustHandles="1" noChangeArrowheads="1" noChangeShapeType="1"/>
+            <a:cxnSpLocks/>
             <a:endCxn id="107" idx="1"/>
           </p:cNvCxnSpPr>
           <p:nvPr/>
@@ -6715,7 +6715,7 @@
           <a:noFill/>
         </p:spPr>
         <p:txBody>
-          <a:bodyPr wrap="none" rtlCol="0">
+          <a:bodyPr wrap="square" rtlCol="0">
             <a:spAutoFit/>
           </a:bodyPr>
           <a:lstStyle/>
@@ -6737,7 +6737,7 @@
             </a:extLst>
           </p:cNvPr>
           <p:cNvGrpSpPr>
-            <a:grpSpLocks noGrp="1" noUngrp="1" noRot="1" noMove="1" noResize="1"/>
+            <a:grpSpLocks/>
           </p:cNvGrpSpPr>
           <p:nvPr/>
         </p:nvGrpSpPr>
@@ -6759,7 +6759,7 @@
               </a:extLst>
             </p:cNvPr>
             <p:cNvCxnSpPr>
-              <a:cxnSpLocks noGrp="1" noRot="1" noMove="1" noResize="1" noEditPoints="1" noAdjustHandles="1" noChangeArrowheads="1" noChangeShapeType="1"/>
+              <a:cxnSpLocks/>
             </p:cNvCxnSpPr>
             <p:nvPr/>
           </p:nvCxnSpPr>
@@ -6802,7 +6802,7 @@
               </a:extLst>
             </p:cNvPr>
             <p:cNvCxnSpPr>
-              <a:cxnSpLocks noGrp="1" noRot="1" noMove="1" noResize="1" noEditPoints="1" noAdjustHandles="1" noChangeArrowheads="1" noChangeShapeType="1"/>
+              <a:cxnSpLocks/>
             </p:cNvCxnSpPr>
             <p:nvPr/>
           </p:nvCxnSpPr>
@@ -6845,7 +6845,7 @@
               </a:extLst>
             </p:cNvPr>
             <p:cNvCxnSpPr>
-              <a:cxnSpLocks noGrp="1" noRot="1" noMove="1" noResize="1" noEditPoints="1" noAdjustHandles="1" noChangeArrowheads="1" noChangeShapeType="1"/>
+              <a:cxnSpLocks/>
             </p:cNvCxnSpPr>
             <p:nvPr/>
           </p:nvCxnSpPr>
@@ -6890,13 +6890,13 @@
             </a:extLst>
           </p:cNvPr>
           <p:cNvSpPr txBox="1">
-            <a:spLocks noGrp="1" noRot="1" noMove="1" noResize="1" noEditPoints="1" noAdjustHandles="1" noChangeArrowheads="1" noChangeShapeType="1"/>
+            <a:spLocks/>
           </p:cNvSpPr>
           <p:nvPr/>
         </p:nvSpPr>
         <p:spPr>
           <a:xfrm>
-            <a:off x="5461800" y="4366030"/>
+            <a:off x="5836027" y="4366030"/>
             <a:ext cx="720069" cy="307777"/>
           </a:xfrm>
           <a:prstGeom prst="rect">
@@ -6905,7 +6905,7 @@
           <a:noFill/>
         </p:spPr>
         <p:txBody>
-          <a:bodyPr wrap="none" rtlCol="0">
+          <a:bodyPr wrap="square" rtlCol="0">
             <a:spAutoFit/>
           </a:bodyPr>
           <a:lstStyle/>
@@ -6964,7 +6964,9 @@
               </a:ext>
             </a:extLst>
           </p:cNvPr>
-          <p:cNvGrpSpPr/>
+          <p:cNvGrpSpPr>
+            <a:grpSpLocks/>
+          </p:cNvGrpSpPr>
           <p:nvPr/>
         </p:nvGrpSpPr>
         <p:grpSpPr>
@@ -6984,7 +6986,9 @@
                 </a:ext>
               </a:extLst>
             </p:cNvPr>
-            <p:cNvSpPr/>
+            <p:cNvSpPr>
+              <a:spLocks/>
+            </p:cNvSpPr>
             <p:nvPr/>
           </p:nvSpPr>
           <p:spPr>
@@ -7042,7 +7046,9 @@
                 </a:ext>
               </a:extLst>
             </p:cNvPr>
-            <p:cNvSpPr txBox="1"/>
+            <p:cNvSpPr txBox="1">
+              <a:spLocks/>
+            </p:cNvSpPr>
             <p:nvPr/>
           </p:nvSpPr>
           <p:spPr>
@@ -7078,7 +7084,9 @@
                 </a:ext>
               </a:extLst>
             </p:cNvPr>
-            <p:cNvSpPr txBox="1"/>
+            <p:cNvSpPr txBox="1">
+              <a:spLocks/>
+            </p:cNvSpPr>
             <p:nvPr/>
           </p:nvSpPr>
           <p:spPr>
@@ -7120,7 +7128,9 @@
                 </a:ext>
               </a:extLst>
             </p:cNvPr>
-            <p:cNvSpPr txBox="1"/>
+            <p:cNvSpPr txBox="1">
+              <a:spLocks/>
+            </p:cNvSpPr>
             <p:nvPr/>
           </p:nvSpPr>
           <p:spPr>
@@ -7162,7 +7172,9 @@
                 </a:ext>
               </a:extLst>
             </p:cNvPr>
-            <p:cNvSpPr txBox="1"/>
+            <p:cNvSpPr txBox="1">
+              <a:spLocks/>
+            </p:cNvSpPr>
             <p:nvPr/>
           </p:nvSpPr>
           <p:spPr>
@@ -7208,7 +7220,7 @@
             </a:extLst>
           </p:cNvPr>
           <p:cNvGrpSpPr>
-            <a:grpSpLocks noGrp="1" noUngrp="1" noRot="1" noMove="1" noResize="1"/>
+            <a:grpSpLocks/>
           </p:cNvGrpSpPr>
           <p:nvPr/>
         </p:nvGrpSpPr>
@@ -7230,7 +7242,7 @@
               </a:extLst>
             </p:cNvPr>
             <p:cNvCxnSpPr>
-              <a:cxnSpLocks noGrp="1" noRot="1" noMove="1" noResize="1" noEditPoints="1" noAdjustHandles="1" noChangeArrowheads="1" noChangeShapeType="1"/>
+              <a:cxnSpLocks/>
             </p:cNvCxnSpPr>
             <p:nvPr/>
           </p:nvCxnSpPr>
@@ -7274,7 +7286,7 @@
               </a:extLst>
             </p:cNvPr>
             <p:cNvCxnSpPr>
-              <a:cxnSpLocks noGrp="1" noRot="1" noMove="1" noResize="1" noEditPoints="1" noAdjustHandles="1" noChangeArrowheads="1" noChangeShapeType="1"/>
+              <a:cxnSpLocks/>
             </p:cNvCxnSpPr>
             <p:nvPr/>
           </p:nvCxnSpPr>
@@ -7318,7 +7330,7 @@
               </a:extLst>
             </p:cNvPr>
             <p:cNvCxnSpPr>
-              <a:cxnSpLocks noGrp="1" noRot="1" noMove="1" noResize="1" noEditPoints="1" noAdjustHandles="1" noChangeArrowheads="1" noChangeShapeType="1"/>
+              <a:cxnSpLocks/>
             </p:cNvCxnSpPr>
             <p:nvPr/>
           </p:nvCxnSpPr>
@@ -7362,7 +7374,7 @@
               </a:extLst>
             </p:cNvPr>
             <p:cNvCxnSpPr>
-              <a:cxnSpLocks noGrp="1" noRot="1" noMove="1" noResize="1" noEditPoints="1" noAdjustHandles="1" noChangeArrowheads="1" noChangeShapeType="1"/>
+              <a:cxnSpLocks/>
             </p:cNvCxnSpPr>
             <p:nvPr/>
           </p:nvCxnSpPr>
@@ -7443,7 +7455,9 @@
               </a:ext>
             </a:extLst>
           </p:cNvPr>
-          <p:cNvGrpSpPr/>
+          <p:cNvGrpSpPr>
+            <a:grpSpLocks/>
+          </p:cNvGrpSpPr>
           <p:nvPr/>
         </p:nvGrpSpPr>
         <p:grpSpPr>
@@ -7642,7 +7656,7 @@
             </a:extLst>
           </p:cNvPr>
           <p:cNvGrpSpPr>
-            <a:grpSpLocks noGrp="1" noUngrp="1" noRot="1" noMove="1" noResize="1"/>
+            <a:grpSpLocks/>
           </p:cNvGrpSpPr>
           <p:nvPr/>
         </p:nvGrpSpPr>
@@ -7664,7 +7678,7 @@
               </a:extLst>
             </p:cNvPr>
             <p:cNvCxnSpPr>
-              <a:cxnSpLocks noGrp="1" noRot="1" noMove="1" noResize="1" noEditPoints="1" noAdjustHandles="1" noChangeArrowheads="1" noChangeShapeType="1"/>
+              <a:cxnSpLocks/>
             </p:cNvCxnSpPr>
             <p:nvPr/>
           </p:nvCxnSpPr>
@@ -7708,7 +7722,7 @@
               </a:extLst>
             </p:cNvPr>
             <p:cNvCxnSpPr>
-              <a:cxnSpLocks noGrp="1" noRot="1" noMove="1" noResize="1" noEditPoints="1" noAdjustHandles="1" noChangeArrowheads="1" noChangeShapeType="1"/>
+              <a:cxnSpLocks/>
             </p:cNvCxnSpPr>
             <p:nvPr/>
           </p:nvCxnSpPr>
@@ -7752,7 +7766,9 @@
               </a:ext>
             </a:extLst>
           </p:cNvPr>
-          <p:cNvSpPr txBox="1"/>
+          <p:cNvSpPr txBox="1">
+            <a:spLocks/>
+          </p:cNvSpPr>
           <p:nvPr/>
         </p:nvSpPr>
         <p:spPr>
@@ -7886,7 +7902,9 @@
               </a:ext>
             </a:extLst>
           </p:cNvPr>
-          <p:cNvSpPr txBox="1"/>
+          <p:cNvSpPr txBox="1">
+            <a:spLocks/>
+          </p:cNvSpPr>
           <p:nvPr/>
         </p:nvSpPr>
         <p:spPr>
@@ -7940,7 +7958,7 @@
         <p:spPr>
           <a:xfrm flipH="1">
             <a:off x="7305901" y="2942251"/>
-            <a:ext cx="2409599" cy="0"/>
+            <a:ext cx="300132" cy="0"/>
           </a:xfrm>
           <a:prstGeom prst="straightConnector1">
             <a:avLst/>
@@ -8027,8 +8045,8 @@
         </p:nvCxnSpPr>
         <p:spPr>
           <a:xfrm flipV="1">
-            <a:off x="9715500" y="2942251"/>
-            <a:ext cx="0" cy="694578"/>
+            <a:off x="7606033" y="2940461"/>
+            <a:ext cx="0" cy="600172"/>
           </a:xfrm>
           <a:prstGeom prst="straightConnector1">
             <a:avLst/>
@@ -8108,7 +8126,9 @@
               </a:ext>
             </a:extLst>
           </p:cNvPr>
-          <p:cNvSpPr txBox="1"/>
+          <p:cNvSpPr txBox="1">
+            <a:spLocks/>
+          </p:cNvSpPr>
           <p:nvPr/>
         </p:nvSpPr>
         <p:spPr>
@@ -8154,7 +8174,9 @@
               </a:ext>
             </a:extLst>
           </p:cNvPr>
-          <p:cNvGrpSpPr/>
+          <p:cNvGrpSpPr>
+            <a:grpSpLocks/>
+          </p:cNvGrpSpPr>
           <p:nvPr/>
         </p:nvGrpSpPr>
         <p:grpSpPr>
@@ -8351,7 +8373,9 @@
               </a:ext>
             </a:extLst>
           </p:cNvPr>
-          <p:cNvSpPr txBox="1"/>
+          <p:cNvSpPr txBox="1">
+            <a:spLocks/>
+          </p:cNvSpPr>
           <p:nvPr/>
         </p:nvSpPr>
         <p:spPr>
@@ -8573,7 +8597,9 @@
               </a:ext>
             </a:extLst>
           </p:cNvPr>
-          <p:cNvSpPr txBox="1"/>
+          <p:cNvSpPr txBox="1">
+            <a:spLocks/>
+          </p:cNvSpPr>
           <p:nvPr/>
         </p:nvSpPr>
         <p:spPr>
@@ -8619,7 +8645,9 @@
               </a:ext>
             </a:extLst>
           </p:cNvPr>
-          <p:cNvSpPr txBox="1"/>
+          <p:cNvSpPr txBox="1">
+            <a:spLocks/>
+          </p:cNvSpPr>
           <p:nvPr/>
         </p:nvSpPr>
         <p:spPr>
@@ -8665,7 +8693,9 @@
               </a:ext>
             </a:extLst>
           </p:cNvPr>
-          <p:cNvSpPr txBox="1"/>
+          <p:cNvSpPr txBox="1">
+            <a:spLocks/>
+          </p:cNvSpPr>
           <p:nvPr/>
         </p:nvSpPr>
         <p:spPr>
@@ -8711,7 +8741,9 @@
               </a:ext>
             </a:extLst>
           </p:cNvPr>
-          <p:cNvSpPr txBox="1"/>
+          <p:cNvSpPr txBox="1">
+            <a:spLocks/>
+          </p:cNvSpPr>
           <p:nvPr/>
         </p:nvSpPr>
         <p:spPr>
@@ -8757,7 +8789,9 @@
               </a:ext>
             </a:extLst>
           </p:cNvPr>
-          <p:cNvSpPr txBox="1"/>
+          <p:cNvSpPr txBox="1">
+            <a:spLocks/>
+          </p:cNvSpPr>
           <p:nvPr/>
         </p:nvSpPr>
         <p:spPr>
@@ -8789,6 +8823,1298 @@
             <a:endParaRPr lang="zh-CN" altLang="en-US" sz="700" b="1" dirty="0">
               <a:solidFill>
                 <a:srgbClr val="00B8FE"/>
+              </a:solidFill>
+            </a:endParaRPr>
+          </a:p>
+        </p:txBody>
+      </p:sp>
+      <p:cxnSp>
+        <p:nvCxnSpPr>
+          <p:cNvPr id="34" name="直接箭头连接符 33">
+            <a:extLst>
+              <a:ext uri="{FF2B5EF4-FFF2-40B4-BE49-F238E27FC236}">
+                <a16:creationId xmlns:a16="http://schemas.microsoft.com/office/drawing/2014/main" id="{C27790E7-3C9B-7B96-02BB-CF2217E88C34}"/>
+              </a:ext>
+            </a:extLst>
+          </p:cNvPr>
+          <p:cNvCxnSpPr>
+            <a:cxnSpLocks/>
+          </p:cNvCxnSpPr>
+          <p:nvPr/>
+        </p:nvCxnSpPr>
+        <p:spPr>
+          <a:xfrm flipV="1">
+            <a:off x="7305901" y="3406320"/>
+            <a:ext cx="0" cy="134313"/>
+          </a:xfrm>
+          <a:prstGeom prst="straightConnector1">
+            <a:avLst/>
+          </a:prstGeom>
+          <a:ln cap="flat">
+            <a:solidFill>
+              <a:srgbClr val="57C7F3"/>
+            </a:solidFill>
+            <a:tailEnd type="oval"/>
+          </a:ln>
+        </p:spPr>
+        <p:style>
+          <a:lnRef idx="2">
+            <a:schemeClr val="accent1"/>
+          </a:lnRef>
+          <a:fillRef idx="0">
+            <a:schemeClr val="accent1"/>
+          </a:fillRef>
+          <a:effectRef idx="1">
+            <a:schemeClr val="accent1"/>
+          </a:effectRef>
+          <a:fontRef idx="minor">
+            <a:schemeClr val="tx1"/>
+          </a:fontRef>
+        </p:style>
+      </p:cxnSp>
+      <p:cxnSp>
+        <p:nvCxnSpPr>
+          <p:cNvPr id="58" name="直接箭头连接符 57">
+            <a:extLst>
+              <a:ext uri="{FF2B5EF4-FFF2-40B4-BE49-F238E27FC236}">
+                <a16:creationId xmlns:a16="http://schemas.microsoft.com/office/drawing/2014/main" id="{3A42CDB3-6456-B3F8-B909-8C4AEA94A2E9}"/>
+              </a:ext>
+            </a:extLst>
+          </p:cNvPr>
+          <p:cNvCxnSpPr>
+            <a:cxnSpLocks/>
+          </p:cNvCxnSpPr>
+          <p:nvPr/>
+        </p:nvCxnSpPr>
+        <p:spPr>
+          <a:xfrm>
+            <a:off x="1559216" y="4356649"/>
+            <a:ext cx="0" cy="793554"/>
+          </a:xfrm>
+          <a:prstGeom prst="straightConnector1">
+            <a:avLst/>
+          </a:prstGeom>
+          <a:ln>
+            <a:solidFill>
+              <a:schemeClr val="accent5">
+                <a:lumMod val="60000"/>
+                <a:lumOff val="40000"/>
+              </a:schemeClr>
+            </a:solidFill>
+            <a:headEnd type="stealth"/>
+            <a:tailEnd type="none"/>
+          </a:ln>
+        </p:spPr>
+        <p:style>
+          <a:lnRef idx="2">
+            <a:schemeClr val="accent1"/>
+          </a:lnRef>
+          <a:fillRef idx="0">
+            <a:schemeClr val="accent1"/>
+          </a:fillRef>
+          <a:effectRef idx="1">
+            <a:schemeClr val="accent1"/>
+          </a:effectRef>
+          <a:fontRef idx="minor">
+            <a:schemeClr val="tx1"/>
+          </a:fontRef>
+        </p:style>
+      </p:cxnSp>
+      <p:sp>
+        <p:nvSpPr>
+          <p:cNvPr id="63" name="文本框 62">
+            <a:extLst>
+              <a:ext uri="{FF2B5EF4-FFF2-40B4-BE49-F238E27FC236}">
+                <a16:creationId xmlns:a16="http://schemas.microsoft.com/office/drawing/2014/main" id="{C30316FD-F2A6-76E2-9C5E-53993728262F}"/>
+              </a:ext>
+            </a:extLst>
+          </p:cNvPr>
+          <p:cNvSpPr txBox="1"/>
+          <p:nvPr/>
+        </p:nvSpPr>
+        <p:spPr>
+          <a:xfrm>
+            <a:off x="839610" y="5133464"/>
+            <a:ext cx="1419584" cy="615553"/>
+          </a:xfrm>
+          <a:prstGeom prst="rect">
+            <a:avLst/>
+          </a:prstGeom>
+          <a:noFill/>
+        </p:spPr>
+        <p:txBody>
+          <a:bodyPr wrap="square">
+            <a:spAutoFit/>
+          </a:bodyPr>
+          <a:lstStyle/>
+          <a:p>
+            <a:pPr algn="ctr"/>
+            <a:r>
+              <a:rPr lang="en-US" altLang="zh-CN" sz="1200" b="1" dirty="0">
+                <a:solidFill>
+                  <a:schemeClr val="accent5"/>
+                </a:solidFill>
+              </a:rPr>
+              <a:t>URAT input</a:t>
+            </a:r>
+          </a:p>
+          <a:p>
+            <a:pPr algn="ctr"/>
+            <a:r>
+              <a:rPr lang="en-US" altLang="zh-CN" sz="1100" b="1" dirty="0">
+                <a:solidFill>
+                  <a:schemeClr val="accent5"/>
+                </a:solidFill>
+              </a:rPr>
+              <a:t>(UART</a:t>
+            </a:r>
+            <a:r>
+              <a:rPr lang="zh-CN" altLang="en-US" sz="1100" b="1" dirty="0">
+                <a:solidFill>
+                  <a:schemeClr val="accent5"/>
+                </a:solidFill>
+              </a:rPr>
+              <a:t>地址输出最高位为 </a:t>
+            </a:r>
+            <a:r>
+              <a:rPr lang="en-US" altLang="zh-CN" sz="1100" b="1" dirty="0">
+                <a:solidFill>
+                  <a:schemeClr val="accent5"/>
+                </a:solidFill>
+              </a:rPr>
+              <a:t>0 )</a:t>
+            </a:r>
+            <a:endParaRPr lang="zh-CN" altLang="en-US" sz="1100" b="1" dirty="0">
+              <a:solidFill>
+                <a:schemeClr val="accent5"/>
+              </a:solidFill>
+            </a:endParaRPr>
+          </a:p>
+        </p:txBody>
+      </p:sp>
+      <p:sp>
+        <p:nvSpPr>
+          <p:cNvPr id="67" name="文本框 66">
+            <a:extLst>
+              <a:ext uri="{FF2B5EF4-FFF2-40B4-BE49-F238E27FC236}">
+                <a16:creationId xmlns:a16="http://schemas.microsoft.com/office/drawing/2014/main" id="{C97D69E5-A320-9446-043C-565E2435DF85}"/>
+              </a:ext>
+            </a:extLst>
+          </p:cNvPr>
+          <p:cNvSpPr txBox="1"/>
+          <p:nvPr/>
+        </p:nvSpPr>
+        <p:spPr>
+          <a:xfrm>
+            <a:off x="7704377" y="5519099"/>
+            <a:ext cx="1950983" cy="446276"/>
+          </a:xfrm>
+          <a:prstGeom prst="rect">
+            <a:avLst/>
+          </a:prstGeom>
+          <a:noFill/>
+        </p:spPr>
+        <p:txBody>
+          <a:bodyPr wrap="square">
+            <a:spAutoFit/>
+          </a:bodyPr>
+          <a:lstStyle/>
+          <a:p>
+            <a:pPr algn="ctr"/>
+            <a:r>
+              <a:rPr lang="en-US" altLang="zh-CN" sz="1200" b="1" dirty="0">
+                <a:solidFill>
+                  <a:schemeClr val="accent5"/>
+                </a:solidFill>
+              </a:rPr>
+              <a:t>URAT input</a:t>
+            </a:r>
+          </a:p>
+          <a:p>
+            <a:pPr algn="ctr"/>
+            <a:r>
+              <a:rPr lang="en-US" altLang="zh-CN" sz="1100" b="1" dirty="0">
+                <a:solidFill>
+                  <a:schemeClr val="accent5"/>
+                </a:solidFill>
+              </a:rPr>
+              <a:t>(UART</a:t>
+            </a:r>
+            <a:r>
+              <a:rPr lang="zh-CN" altLang="en-US" sz="1100" b="1" dirty="0">
+                <a:solidFill>
+                  <a:schemeClr val="accent5"/>
+                </a:solidFill>
+              </a:rPr>
+              <a:t>地址输出最高位为 </a:t>
+            </a:r>
+            <a:r>
+              <a:rPr lang="en-US" altLang="zh-CN" sz="1100" b="1" dirty="0">
+                <a:solidFill>
+                  <a:schemeClr val="accent5"/>
+                </a:solidFill>
+              </a:rPr>
+              <a:t>1 )</a:t>
+            </a:r>
+            <a:endParaRPr lang="zh-CN" altLang="en-US" sz="1100" b="1" dirty="0">
+              <a:solidFill>
+                <a:schemeClr val="accent5"/>
+              </a:solidFill>
+            </a:endParaRPr>
+          </a:p>
+        </p:txBody>
+      </p:sp>
+      <p:cxnSp>
+        <p:nvCxnSpPr>
+          <p:cNvPr id="74" name="直接箭头连接符 73">
+            <a:extLst>
+              <a:ext uri="{FF2B5EF4-FFF2-40B4-BE49-F238E27FC236}">
+                <a16:creationId xmlns:a16="http://schemas.microsoft.com/office/drawing/2014/main" id="{1CEBE0C9-3E3A-A054-A88F-251AA7EF72C4}"/>
+              </a:ext>
+            </a:extLst>
+          </p:cNvPr>
+          <p:cNvCxnSpPr>
+            <a:cxnSpLocks/>
+          </p:cNvCxnSpPr>
+          <p:nvPr/>
+        </p:nvCxnSpPr>
+        <p:spPr>
+          <a:xfrm>
+            <a:off x="8612989" y="4743472"/>
+            <a:ext cx="0" cy="793554"/>
+          </a:xfrm>
+          <a:prstGeom prst="straightConnector1">
+            <a:avLst/>
+          </a:prstGeom>
+          <a:ln>
+            <a:solidFill>
+              <a:schemeClr val="accent5">
+                <a:lumMod val="60000"/>
+                <a:lumOff val="40000"/>
+              </a:schemeClr>
+            </a:solidFill>
+            <a:headEnd type="oval"/>
+            <a:tailEnd type="none"/>
+          </a:ln>
+        </p:spPr>
+        <p:style>
+          <a:lnRef idx="2">
+            <a:schemeClr val="accent1"/>
+          </a:lnRef>
+          <a:fillRef idx="0">
+            <a:schemeClr val="accent1"/>
+          </a:fillRef>
+          <a:effectRef idx="1">
+            <a:schemeClr val="accent1"/>
+          </a:effectRef>
+          <a:fontRef idx="minor">
+            <a:schemeClr val="tx1"/>
+          </a:fontRef>
+        </p:style>
+      </p:cxnSp>
+      <p:sp>
+        <p:nvSpPr>
+          <p:cNvPr id="76" name="文本框 75">
+            <a:extLst>
+              <a:ext uri="{FF2B5EF4-FFF2-40B4-BE49-F238E27FC236}">
+                <a16:creationId xmlns:a16="http://schemas.microsoft.com/office/drawing/2014/main" id="{DE134E49-976F-C721-3216-06911D231474}"/>
+              </a:ext>
+            </a:extLst>
+          </p:cNvPr>
+          <p:cNvSpPr txBox="1">
+            <a:spLocks/>
+          </p:cNvSpPr>
+          <p:nvPr/>
+        </p:nvSpPr>
+        <p:spPr>
+          <a:xfrm>
+            <a:off x="753762" y="4412304"/>
+            <a:ext cx="819455" cy="430887"/>
+          </a:xfrm>
+          <a:prstGeom prst="rect">
+            <a:avLst/>
+          </a:prstGeom>
+          <a:noFill/>
+        </p:spPr>
+        <p:txBody>
+          <a:bodyPr wrap="none" rtlCol="0">
+            <a:spAutoFit/>
+          </a:bodyPr>
+          <a:lstStyle/>
+          <a:p>
+            <a:pPr algn="ctr"/>
+            <a:r>
+              <a:rPr lang="en-US" altLang="zh-CN" sz="1100" dirty="0"/>
+              <a:t>Write </a:t>
+            </a:r>
+          </a:p>
+          <a:p>
+            <a:pPr algn="ctr"/>
+            <a:r>
+              <a:rPr lang="en-US" altLang="zh-CN" sz="1100" dirty="0"/>
+              <a:t>instruction</a:t>
+            </a:r>
+            <a:endParaRPr lang="zh-CN" altLang="en-US" sz="1100" dirty="0"/>
+          </a:p>
+        </p:txBody>
+      </p:sp>
+      <p:sp>
+        <p:nvSpPr>
+          <p:cNvPr id="87" name="文本框 86">
+            <a:extLst>
+              <a:ext uri="{FF2B5EF4-FFF2-40B4-BE49-F238E27FC236}">
+                <a16:creationId xmlns:a16="http://schemas.microsoft.com/office/drawing/2014/main" id="{E6318286-867E-A404-CFFD-2EC3760B2C13}"/>
+              </a:ext>
+            </a:extLst>
+          </p:cNvPr>
+          <p:cNvSpPr txBox="1"/>
+          <p:nvPr/>
+        </p:nvSpPr>
+        <p:spPr>
+          <a:xfrm>
+            <a:off x="8862608" y="131889"/>
+            <a:ext cx="3338115" cy="1600438"/>
+          </a:xfrm>
+          <a:prstGeom prst="rect">
+            <a:avLst/>
+          </a:prstGeom>
+          <a:noFill/>
+        </p:spPr>
+        <p:txBody>
+          <a:bodyPr wrap="square">
+            <a:spAutoFit/>
+          </a:bodyPr>
+          <a:lstStyle/>
+          <a:p>
+            <a:r>
+              <a:rPr lang="zh-CN" altLang="en-US" sz="1400" b="1" dirty="0">
+                <a:solidFill>
+                  <a:schemeClr val="accent5"/>
+                </a:solidFill>
+              </a:rPr>
+              <a:t>UART </a:t>
+            </a:r>
+            <a:r>
+              <a:rPr lang="en-US" altLang="zh-CN" sz="1400" b="1" dirty="0">
+                <a:solidFill>
+                  <a:schemeClr val="accent5"/>
+                </a:solidFill>
+              </a:rPr>
+              <a:t>input:</a:t>
+            </a:r>
+            <a:endParaRPr lang="zh-CN" altLang="en-US" sz="1400" b="1" dirty="0">
+              <a:solidFill>
+                <a:schemeClr val="accent5"/>
+              </a:solidFill>
+            </a:endParaRPr>
+          </a:p>
+          <a:p>
+            <a:r>
+              <a:rPr lang="zh-CN" altLang="en-US" sz="1400" dirty="0">
+                <a:solidFill>
+                  <a:schemeClr val="accent5"/>
+                </a:solidFill>
+              </a:rPr>
+              <a:t>upg_rst_i,             // UART编程复位</a:t>
+            </a:r>
+          </a:p>
+          <a:p>
+            <a:r>
+              <a:rPr lang="zh-CN" altLang="en-US" sz="1400" dirty="0">
+                <a:solidFill>
+                  <a:schemeClr val="accent5"/>
+                </a:solidFill>
+              </a:rPr>
+              <a:t>upg_clk_i,             // UART编程时钟</a:t>
+            </a:r>
+          </a:p>
+          <a:p>
+            <a:r>
+              <a:rPr lang="zh-CN" altLang="en-US" sz="1400" dirty="0">
+                <a:solidFill>
+                  <a:schemeClr val="accent5"/>
+                </a:solidFill>
+              </a:rPr>
+              <a:t>upg_wen_i,             // UART编程写使能</a:t>
+            </a:r>
+          </a:p>
+          <a:p>
+            <a:r>
+              <a:rPr lang="zh-CN" altLang="en-US" sz="1400" dirty="0">
+                <a:solidFill>
+                  <a:schemeClr val="accent5"/>
+                </a:solidFill>
+              </a:rPr>
+              <a:t>[13:0] upg_adr_i,      // UART编程地址</a:t>
+            </a:r>
+          </a:p>
+          <a:p>
+            <a:r>
+              <a:rPr lang="zh-CN" altLang="en-US" sz="1400" dirty="0">
+                <a:solidFill>
+                  <a:schemeClr val="accent5"/>
+                </a:solidFill>
+              </a:rPr>
+              <a:t>[31:0] upg_dat_i,      // UART编程数据</a:t>
+            </a:r>
+          </a:p>
+          <a:p>
+            <a:r>
+              <a:rPr lang="zh-CN" altLang="en-US" sz="1400" dirty="0">
+                <a:solidFill>
+                  <a:schemeClr val="accent5"/>
+                </a:solidFill>
+              </a:rPr>
+              <a:t>upg_done_i             // UART编程完成</a:t>
+            </a:r>
+          </a:p>
+        </p:txBody>
+      </p:sp>
+      <p:sp>
+        <p:nvSpPr>
+          <p:cNvPr id="97" name="文本框 96">
+            <a:extLst>
+              <a:ext uri="{FF2B5EF4-FFF2-40B4-BE49-F238E27FC236}">
+                <a16:creationId xmlns:a16="http://schemas.microsoft.com/office/drawing/2014/main" id="{3BE03EFD-BD10-C385-6573-4F004C51DD78}"/>
+              </a:ext>
+            </a:extLst>
+          </p:cNvPr>
+          <p:cNvSpPr txBox="1"/>
+          <p:nvPr/>
+        </p:nvSpPr>
+        <p:spPr>
+          <a:xfrm>
+            <a:off x="3796400" y="6438937"/>
+            <a:ext cx="941598" cy="307777"/>
+          </a:xfrm>
+          <a:prstGeom prst="rect">
+            <a:avLst/>
+          </a:prstGeom>
+          <a:noFill/>
+        </p:spPr>
+        <p:txBody>
+          <a:bodyPr wrap="square">
+            <a:spAutoFit/>
+          </a:bodyPr>
+          <a:lstStyle/>
+          <a:p>
+            <a:pPr algn="ctr"/>
+            <a:r>
+              <a:rPr lang="en-US" altLang="zh-CN" sz="1400" b="1" dirty="0" err="1">
+                <a:solidFill>
+                  <a:schemeClr val="accent5"/>
+                </a:solidFill>
+              </a:rPr>
+              <a:t>kick_off</a:t>
+            </a:r>
+            <a:endParaRPr lang="zh-CN" altLang="en-US" sz="1400" b="1" dirty="0">
+              <a:solidFill>
+                <a:schemeClr val="accent5"/>
+              </a:solidFill>
+            </a:endParaRPr>
+          </a:p>
+        </p:txBody>
+      </p:sp>
+      <p:cxnSp>
+        <p:nvCxnSpPr>
+          <p:cNvPr id="100" name="直接箭头连接符 99">
+            <a:extLst>
+              <a:ext uri="{FF2B5EF4-FFF2-40B4-BE49-F238E27FC236}">
+                <a16:creationId xmlns:a16="http://schemas.microsoft.com/office/drawing/2014/main" id="{86BE2A31-26DE-3B8F-773D-8F84523579C8}"/>
+              </a:ext>
+            </a:extLst>
+          </p:cNvPr>
+          <p:cNvCxnSpPr>
+            <a:cxnSpLocks/>
+          </p:cNvCxnSpPr>
+          <p:nvPr/>
+        </p:nvCxnSpPr>
+        <p:spPr>
+          <a:xfrm>
+            <a:off x="686867" y="3830895"/>
+            <a:ext cx="0" cy="2319601"/>
+          </a:xfrm>
+          <a:prstGeom prst="straightConnector1">
+            <a:avLst/>
+          </a:prstGeom>
+          <a:ln>
+            <a:solidFill>
+              <a:schemeClr val="accent5">
+                <a:lumMod val="60000"/>
+                <a:lumOff val="40000"/>
+              </a:schemeClr>
+            </a:solidFill>
+            <a:headEnd type="stealth"/>
+            <a:tailEnd type="none"/>
+          </a:ln>
+        </p:spPr>
+        <p:style>
+          <a:lnRef idx="2">
+            <a:schemeClr val="accent1"/>
+          </a:lnRef>
+          <a:fillRef idx="0">
+            <a:schemeClr val="accent1"/>
+          </a:fillRef>
+          <a:effectRef idx="1">
+            <a:schemeClr val="accent1"/>
+          </a:effectRef>
+          <a:fontRef idx="minor">
+            <a:schemeClr val="tx1"/>
+          </a:fontRef>
+        </p:style>
+      </p:cxnSp>
+      <p:cxnSp>
+        <p:nvCxnSpPr>
+          <p:cNvPr id="115" name="直接箭头连接符 114">
+            <a:extLst>
+              <a:ext uri="{FF2B5EF4-FFF2-40B4-BE49-F238E27FC236}">
+                <a16:creationId xmlns:a16="http://schemas.microsoft.com/office/drawing/2014/main" id="{61108D44-EAB5-ACB8-C197-8B9A7A8997BE}"/>
+              </a:ext>
+            </a:extLst>
+          </p:cNvPr>
+          <p:cNvCxnSpPr>
+            <a:cxnSpLocks/>
+          </p:cNvCxnSpPr>
+          <p:nvPr/>
+        </p:nvCxnSpPr>
+        <p:spPr>
+          <a:xfrm>
+            <a:off x="686866" y="6150496"/>
+            <a:ext cx="8988470" cy="0"/>
+          </a:xfrm>
+          <a:prstGeom prst="straightConnector1">
+            <a:avLst/>
+          </a:prstGeom>
+          <a:ln>
+            <a:solidFill>
+              <a:schemeClr val="accent5">
+                <a:lumMod val="60000"/>
+                <a:lumOff val="40000"/>
+              </a:schemeClr>
+            </a:solidFill>
+            <a:headEnd type="none"/>
+            <a:tailEnd type="none"/>
+          </a:ln>
+        </p:spPr>
+        <p:style>
+          <a:lnRef idx="2">
+            <a:schemeClr val="accent1"/>
+          </a:lnRef>
+          <a:fillRef idx="0">
+            <a:schemeClr val="accent1"/>
+          </a:fillRef>
+          <a:effectRef idx="1">
+            <a:schemeClr val="accent1"/>
+          </a:effectRef>
+          <a:fontRef idx="minor">
+            <a:schemeClr val="tx1"/>
+          </a:fontRef>
+        </p:style>
+      </p:cxnSp>
+      <p:cxnSp>
+        <p:nvCxnSpPr>
+          <p:cNvPr id="124" name="直接箭头连接符 123">
+            <a:extLst>
+              <a:ext uri="{FF2B5EF4-FFF2-40B4-BE49-F238E27FC236}">
+                <a16:creationId xmlns:a16="http://schemas.microsoft.com/office/drawing/2014/main" id="{DE476566-EBCA-5955-9DCE-3AAF0473F64C}"/>
+              </a:ext>
+            </a:extLst>
+          </p:cNvPr>
+          <p:cNvCxnSpPr>
+            <a:cxnSpLocks/>
+            <a:endCxn id="97" idx="0"/>
+          </p:cNvCxnSpPr>
+          <p:nvPr/>
+        </p:nvCxnSpPr>
+        <p:spPr>
+          <a:xfrm>
+            <a:off x="4267199" y="6150496"/>
+            <a:ext cx="0" cy="288441"/>
+          </a:xfrm>
+          <a:prstGeom prst="straightConnector1">
+            <a:avLst/>
+          </a:prstGeom>
+          <a:ln>
+            <a:solidFill>
+              <a:schemeClr val="accent5">
+                <a:lumMod val="60000"/>
+                <a:lumOff val="40000"/>
+              </a:schemeClr>
+            </a:solidFill>
+            <a:headEnd type="oval"/>
+            <a:tailEnd type="none"/>
+          </a:ln>
+        </p:spPr>
+        <p:style>
+          <a:lnRef idx="2">
+            <a:schemeClr val="accent1"/>
+          </a:lnRef>
+          <a:fillRef idx="0">
+            <a:schemeClr val="accent1"/>
+          </a:fillRef>
+          <a:effectRef idx="1">
+            <a:schemeClr val="accent1"/>
+          </a:effectRef>
+          <a:fontRef idx="minor">
+            <a:schemeClr val="tx1"/>
+          </a:fontRef>
+        </p:style>
+      </p:cxnSp>
+      <p:cxnSp>
+        <p:nvCxnSpPr>
+          <p:cNvPr id="130" name="直接箭头连接符 129">
+            <a:extLst>
+              <a:ext uri="{FF2B5EF4-FFF2-40B4-BE49-F238E27FC236}">
+                <a16:creationId xmlns:a16="http://schemas.microsoft.com/office/drawing/2014/main" id="{0F75FCC4-6A48-6179-72B7-921AFCBCCC56}"/>
+              </a:ext>
+            </a:extLst>
+          </p:cNvPr>
+          <p:cNvCxnSpPr>
+            <a:cxnSpLocks/>
+          </p:cNvCxnSpPr>
+          <p:nvPr/>
+        </p:nvCxnSpPr>
+        <p:spPr>
+          <a:xfrm>
+            <a:off x="2436823" y="4280670"/>
+            <a:ext cx="0" cy="1869826"/>
+          </a:xfrm>
+          <a:prstGeom prst="straightConnector1">
+            <a:avLst/>
+          </a:prstGeom>
+          <a:ln>
+            <a:solidFill>
+              <a:schemeClr val="accent5">
+                <a:lumMod val="60000"/>
+                <a:lumOff val="40000"/>
+              </a:schemeClr>
+            </a:solidFill>
+            <a:headEnd type="none"/>
+            <a:tailEnd type="oval"/>
+          </a:ln>
+        </p:spPr>
+        <p:style>
+          <a:lnRef idx="2">
+            <a:schemeClr val="accent1"/>
+          </a:lnRef>
+          <a:fillRef idx="0">
+            <a:schemeClr val="accent1"/>
+          </a:fillRef>
+          <a:effectRef idx="1">
+            <a:schemeClr val="accent1"/>
+          </a:effectRef>
+          <a:fontRef idx="minor">
+            <a:schemeClr val="tx1"/>
+          </a:fontRef>
+        </p:style>
+      </p:cxnSp>
+      <p:cxnSp>
+        <p:nvCxnSpPr>
+          <p:cNvPr id="134" name="直接箭头连接符 133">
+            <a:extLst>
+              <a:ext uri="{FF2B5EF4-FFF2-40B4-BE49-F238E27FC236}">
+                <a16:creationId xmlns:a16="http://schemas.microsoft.com/office/drawing/2014/main" id="{724CBFC4-836A-6E2B-C84D-8A05BF87D603}"/>
+              </a:ext>
+            </a:extLst>
+          </p:cNvPr>
+          <p:cNvCxnSpPr>
+            <a:cxnSpLocks/>
+          </p:cNvCxnSpPr>
+          <p:nvPr/>
+        </p:nvCxnSpPr>
+        <p:spPr>
+          <a:xfrm>
+            <a:off x="2433268" y="4280670"/>
+            <a:ext cx="750198" cy="0"/>
+          </a:xfrm>
+          <a:prstGeom prst="straightConnector1">
+            <a:avLst/>
+          </a:prstGeom>
+          <a:ln>
+            <a:solidFill>
+              <a:schemeClr val="accent5">
+                <a:lumMod val="60000"/>
+                <a:lumOff val="40000"/>
+              </a:schemeClr>
+            </a:solidFill>
+            <a:headEnd type="none"/>
+            <a:tailEnd type="triangle"/>
+          </a:ln>
+        </p:spPr>
+        <p:style>
+          <a:lnRef idx="2">
+            <a:schemeClr val="accent1"/>
+          </a:lnRef>
+          <a:fillRef idx="0">
+            <a:schemeClr val="accent1"/>
+          </a:fillRef>
+          <a:effectRef idx="1">
+            <a:schemeClr val="accent1"/>
+          </a:effectRef>
+          <a:fontRef idx="minor">
+            <a:schemeClr val="tx1"/>
+          </a:fontRef>
+        </p:style>
+      </p:cxnSp>
+      <p:cxnSp>
+        <p:nvCxnSpPr>
+          <p:cNvPr id="138" name="直接箭头连接符 137">
+            <a:extLst>
+              <a:ext uri="{FF2B5EF4-FFF2-40B4-BE49-F238E27FC236}">
+                <a16:creationId xmlns:a16="http://schemas.microsoft.com/office/drawing/2014/main" id="{1DFDA6BD-6906-39C6-A4CC-2CCF2FF66282}"/>
+              </a:ext>
+            </a:extLst>
+          </p:cNvPr>
+          <p:cNvCxnSpPr>
+            <a:cxnSpLocks/>
+          </p:cNvCxnSpPr>
+          <p:nvPr/>
+        </p:nvCxnSpPr>
+        <p:spPr>
+          <a:xfrm>
+            <a:off x="686866" y="4099145"/>
+            <a:ext cx="341834" cy="0"/>
+          </a:xfrm>
+          <a:prstGeom prst="straightConnector1">
+            <a:avLst/>
+          </a:prstGeom>
+          <a:ln>
+            <a:solidFill>
+              <a:schemeClr val="accent5">
+                <a:lumMod val="60000"/>
+                <a:lumOff val="40000"/>
+              </a:schemeClr>
+            </a:solidFill>
+            <a:headEnd type="oval"/>
+            <a:tailEnd type="triangle"/>
+          </a:ln>
+        </p:spPr>
+        <p:style>
+          <a:lnRef idx="2">
+            <a:schemeClr val="accent1"/>
+          </a:lnRef>
+          <a:fillRef idx="0">
+            <a:schemeClr val="accent1"/>
+          </a:fillRef>
+          <a:effectRef idx="1">
+            <a:schemeClr val="accent1"/>
+          </a:effectRef>
+          <a:fontRef idx="minor">
+            <a:schemeClr val="tx1"/>
+          </a:fontRef>
+        </p:style>
+      </p:cxnSp>
+      <p:cxnSp>
+        <p:nvCxnSpPr>
+          <p:cNvPr id="141" name="直接箭头连接符 140">
+            <a:extLst>
+              <a:ext uri="{FF2B5EF4-FFF2-40B4-BE49-F238E27FC236}">
+                <a16:creationId xmlns:a16="http://schemas.microsoft.com/office/drawing/2014/main" id="{093EB534-0D3B-6F6D-FC20-770910C688B2}"/>
+              </a:ext>
+            </a:extLst>
+          </p:cNvPr>
+          <p:cNvCxnSpPr>
+            <a:cxnSpLocks/>
+          </p:cNvCxnSpPr>
+          <p:nvPr/>
+        </p:nvCxnSpPr>
+        <p:spPr>
+          <a:xfrm>
+            <a:off x="9675336" y="5171821"/>
+            <a:ext cx="0" cy="978675"/>
+          </a:xfrm>
+          <a:prstGeom prst="straightConnector1">
+            <a:avLst/>
+          </a:prstGeom>
+          <a:ln>
+            <a:solidFill>
+              <a:schemeClr val="accent5">
+                <a:lumMod val="60000"/>
+                <a:lumOff val="40000"/>
+              </a:schemeClr>
+            </a:solidFill>
+            <a:headEnd type="stealth"/>
+            <a:tailEnd type="none"/>
+          </a:ln>
+        </p:spPr>
+        <p:style>
+          <a:lnRef idx="2">
+            <a:schemeClr val="accent1"/>
+          </a:lnRef>
+          <a:fillRef idx="0">
+            <a:schemeClr val="accent1"/>
+          </a:fillRef>
+          <a:effectRef idx="1">
+            <a:schemeClr val="accent1"/>
+          </a:effectRef>
+          <a:fontRef idx="minor">
+            <a:schemeClr val="tx1"/>
+          </a:fontRef>
+        </p:style>
+      </p:cxnSp>
+      <p:cxnSp>
+        <p:nvCxnSpPr>
+          <p:cNvPr id="148" name="直接箭头连接符 147">
+            <a:extLst>
+              <a:ext uri="{FF2B5EF4-FFF2-40B4-BE49-F238E27FC236}">
+                <a16:creationId xmlns:a16="http://schemas.microsoft.com/office/drawing/2014/main" id="{DB8555C7-BEFD-0C5C-A504-D75FF48398B9}"/>
+              </a:ext>
+            </a:extLst>
+          </p:cNvPr>
+          <p:cNvCxnSpPr>
+            <a:cxnSpLocks/>
+          </p:cNvCxnSpPr>
+          <p:nvPr/>
+        </p:nvCxnSpPr>
+        <p:spPr>
+          <a:xfrm>
+            <a:off x="4213302" y="6226287"/>
+            <a:ext cx="107794" cy="104274"/>
+          </a:xfrm>
+          <a:prstGeom prst="straightConnector1">
+            <a:avLst/>
+          </a:prstGeom>
+          <a:ln w="15875">
+            <a:solidFill>
+              <a:schemeClr val="accent5">
+                <a:lumMod val="60000"/>
+                <a:lumOff val="40000"/>
+              </a:schemeClr>
+            </a:solidFill>
+            <a:headEnd type="none"/>
+            <a:tailEnd type="none"/>
+          </a:ln>
+        </p:spPr>
+        <p:style>
+          <a:lnRef idx="2">
+            <a:schemeClr val="accent1"/>
+          </a:lnRef>
+          <a:fillRef idx="0">
+            <a:schemeClr val="accent1"/>
+          </a:fillRef>
+          <a:effectRef idx="1">
+            <a:schemeClr val="accent1"/>
+          </a:effectRef>
+          <a:fontRef idx="minor">
+            <a:schemeClr val="tx1"/>
+          </a:fontRef>
+        </p:style>
+      </p:cxnSp>
+      <p:sp>
+        <p:nvSpPr>
+          <p:cNvPr id="151" name="文本框 150">
+            <a:extLst>
+              <a:ext uri="{FF2B5EF4-FFF2-40B4-BE49-F238E27FC236}">
+                <a16:creationId xmlns:a16="http://schemas.microsoft.com/office/drawing/2014/main" id="{EE30BA99-C9E3-46D4-FD8C-9B37DA92A532}"/>
+              </a:ext>
+            </a:extLst>
+          </p:cNvPr>
+          <p:cNvSpPr txBox="1"/>
+          <p:nvPr/>
+        </p:nvSpPr>
+        <p:spPr>
+          <a:xfrm>
+            <a:off x="3293433" y="6623603"/>
+            <a:ext cx="2280964" cy="246221"/>
+          </a:xfrm>
+          <a:prstGeom prst="rect">
+            <a:avLst/>
+          </a:prstGeom>
+          <a:noFill/>
+        </p:spPr>
+        <p:txBody>
+          <a:bodyPr wrap="square">
+            <a:spAutoFit/>
+          </a:bodyPr>
+          <a:lstStyle/>
+          <a:p>
+            <a:pPr algn="ctr"/>
+            <a:r>
+              <a:rPr lang="en-US" altLang="zh-CN" sz="1000" b="1" dirty="0">
+                <a:solidFill>
+                  <a:schemeClr val="accent5"/>
+                </a:solidFill>
+              </a:rPr>
+              <a:t>(</a:t>
+            </a:r>
+            <a:r>
+              <a:rPr lang="zh-CN" altLang="en-US" sz="1000" b="1" dirty="0">
+                <a:solidFill>
+                  <a:schemeClr val="accent5"/>
+                </a:solidFill>
+              </a:rPr>
+              <a:t>仅在</a:t>
+            </a:r>
+            <a:r>
+              <a:rPr lang="en-US" altLang="zh-CN" sz="1000" b="1" dirty="0">
+                <a:solidFill>
+                  <a:schemeClr val="accent5"/>
+                </a:solidFill>
+              </a:rPr>
+              <a:t>top</a:t>
+            </a:r>
+            <a:r>
+              <a:rPr lang="zh-CN" altLang="en-US" sz="1000" b="1" dirty="0">
+                <a:solidFill>
+                  <a:schemeClr val="accent5"/>
+                </a:solidFill>
+              </a:rPr>
+              <a:t>中影响对应模块的使能信号</a:t>
+            </a:r>
+            <a:r>
+              <a:rPr lang="en-US" altLang="zh-CN" sz="1000" b="1" dirty="0">
+                <a:solidFill>
+                  <a:schemeClr val="accent5"/>
+                </a:solidFill>
+              </a:rPr>
+              <a:t>)</a:t>
+            </a:r>
+            <a:endParaRPr lang="zh-CN" altLang="en-US" sz="1000" b="1" dirty="0">
+              <a:solidFill>
+                <a:schemeClr val="accent5"/>
+              </a:solidFill>
+            </a:endParaRPr>
+          </a:p>
+        </p:txBody>
+      </p:sp>
+      <p:grpSp>
+        <p:nvGrpSpPr>
+          <p:cNvPr id="185" name="组合 184">
+            <a:extLst>
+              <a:ext uri="{FF2B5EF4-FFF2-40B4-BE49-F238E27FC236}">
+                <a16:creationId xmlns:a16="http://schemas.microsoft.com/office/drawing/2014/main" id="{1C2E3EF7-9A67-0D02-389D-F9A0CE283E9B}"/>
+              </a:ext>
+            </a:extLst>
+          </p:cNvPr>
+          <p:cNvGrpSpPr/>
+          <p:nvPr/>
+        </p:nvGrpSpPr>
+        <p:grpSpPr>
+          <a:xfrm>
+            <a:off x="4433915" y="3303891"/>
+            <a:ext cx="1373650" cy="2241771"/>
+            <a:chOff x="4433915" y="3303891"/>
+            <a:chExt cx="1373650" cy="2241771"/>
+          </a:xfrm>
+        </p:grpSpPr>
+        <p:cxnSp>
+          <p:nvCxnSpPr>
+            <p:cNvPr id="158" name="直接连接符 157">
+              <a:extLst>
+                <a:ext uri="{FF2B5EF4-FFF2-40B4-BE49-F238E27FC236}">
+                  <a16:creationId xmlns:a16="http://schemas.microsoft.com/office/drawing/2014/main" id="{19EE4EE2-B537-790F-1F4E-C1398AB40469}"/>
+                </a:ext>
+              </a:extLst>
+            </p:cNvPr>
+            <p:cNvCxnSpPr>
+              <a:cxnSpLocks/>
+            </p:cNvCxnSpPr>
+            <p:nvPr/>
+          </p:nvCxnSpPr>
+          <p:spPr>
+            <a:xfrm>
+              <a:off x="4799722" y="3303891"/>
+              <a:ext cx="0" cy="1425534"/>
+            </a:xfrm>
+            <a:prstGeom prst="line">
+              <a:avLst/>
+            </a:prstGeom>
+            <a:ln>
+              <a:solidFill>
+                <a:schemeClr val="tx2">
+                  <a:lumMod val="75000"/>
+                  <a:lumOff val="25000"/>
+                </a:schemeClr>
+              </a:solidFill>
+            </a:ln>
+          </p:spPr>
+          <p:style>
+            <a:lnRef idx="2">
+              <a:schemeClr val="accent1"/>
+            </a:lnRef>
+            <a:fillRef idx="0">
+              <a:schemeClr val="accent1"/>
+            </a:fillRef>
+            <a:effectRef idx="1">
+              <a:schemeClr val="accent1"/>
+            </a:effectRef>
+            <a:fontRef idx="minor">
+              <a:schemeClr val="tx1"/>
+            </a:fontRef>
+          </p:style>
+        </p:cxnSp>
+        <p:cxnSp>
+          <p:nvCxnSpPr>
+            <p:cNvPr id="159" name="直接连接符 158">
+              <a:extLst>
+                <a:ext uri="{FF2B5EF4-FFF2-40B4-BE49-F238E27FC236}">
+                  <a16:creationId xmlns:a16="http://schemas.microsoft.com/office/drawing/2014/main" id="{6FA12AA8-C89E-4659-7DDF-57B78A24D23F}"/>
+                </a:ext>
+              </a:extLst>
+            </p:cNvPr>
+            <p:cNvCxnSpPr>
+              <a:cxnSpLocks/>
+            </p:cNvCxnSpPr>
+            <p:nvPr/>
+          </p:nvCxnSpPr>
+          <p:spPr>
+            <a:xfrm>
+              <a:off x="4799722" y="3303891"/>
+              <a:ext cx="1007843" cy="0"/>
+            </a:xfrm>
+            <a:prstGeom prst="line">
+              <a:avLst/>
+            </a:prstGeom>
+            <a:ln>
+              <a:solidFill>
+                <a:schemeClr val="tx2">
+                  <a:lumMod val="75000"/>
+                  <a:lumOff val="25000"/>
+                </a:schemeClr>
+              </a:solidFill>
+            </a:ln>
+          </p:spPr>
+          <p:style>
+            <a:lnRef idx="2">
+              <a:schemeClr val="accent1"/>
+            </a:lnRef>
+            <a:fillRef idx="0">
+              <a:schemeClr val="accent1"/>
+            </a:fillRef>
+            <a:effectRef idx="1">
+              <a:schemeClr val="accent1"/>
+            </a:effectRef>
+            <a:fontRef idx="minor">
+              <a:schemeClr val="tx1"/>
+            </a:fontRef>
+          </p:style>
+        </p:cxnSp>
+        <p:cxnSp>
+          <p:nvCxnSpPr>
+            <p:cNvPr id="163" name="直接连接符 162">
+              <a:extLst>
+                <a:ext uri="{FF2B5EF4-FFF2-40B4-BE49-F238E27FC236}">
+                  <a16:creationId xmlns:a16="http://schemas.microsoft.com/office/drawing/2014/main" id="{A5CE87CF-9962-FA03-BF95-3DE059892304}"/>
+                </a:ext>
+              </a:extLst>
+            </p:cNvPr>
+            <p:cNvCxnSpPr>
+              <a:cxnSpLocks/>
+            </p:cNvCxnSpPr>
+            <p:nvPr/>
+          </p:nvCxnSpPr>
+          <p:spPr>
+            <a:xfrm>
+              <a:off x="5803213" y="3303891"/>
+              <a:ext cx="0" cy="2233135"/>
+            </a:xfrm>
+            <a:prstGeom prst="line">
+              <a:avLst/>
+            </a:prstGeom>
+            <a:ln>
+              <a:solidFill>
+                <a:schemeClr val="tx2">
+                  <a:lumMod val="75000"/>
+                  <a:lumOff val="25000"/>
+                </a:schemeClr>
+              </a:solidFill>
+            </a:ln>
+          </p:spPr>
+          <p:style>
+            <a:lnRef idx="2">
+              <a:schemeClr val="accent1"/>
+            </a:lnRef>
+            <a:fillRef idx="0">
+              <a:schemeClr val="accent1"/>
+            </a:fillRef>
+            <a:effectRef idx="1">
+              <a:schemeClr val="accent1"/>
+            </a:effectRef>
+            <a:fontRef idx="minor">
+              <a:schemeClr val="tx1"/>
+            </a:fontRef>
+          </p:style>
+        </p:cxnSp>
+        <p:cxnSp>
+          <p:nvCxnSpPr>
+            <p:cNvPr id="172" name="直接连接符 171">
+              <a:extLst>
+                <a:ext uri="{FF2B5EF4-FFF2-40B4-BE49-F238E27FC236}">
+                  <a16:creationId xmlns:a16="http://schemas.microsoft.com/office/drawing/2014/main" id="{DEDC0FA5-88AC-C709-176B-DC097B8E8916}"/>
+                </a:ext>
+              </a:extLst>
+            </p:cNvPr>
+            <p:cNvCxnSpPr>
+              <a:cxnSpLocks/>
+            </p:cNvCxnSpPr>
+            <p:nvPr/>
+          </p:nvCxnSpPr>
+          <p:spPr>
+            <a:xfrm flipH="1">
+              <a:off x="4433915" y="5545662"/>
+              <a:ext cx="1369298" cy="0"/>
+            </a:xfrm>
+            <a:prstGeom prst="line">
+              <a:avLst/>
+            </a:prstGeom>
+            <a:ln>
+              <a:solidFill>
+                <a:schemeClr val="tx2">
+                  <a:lumMod val="75000"/>
+                  <a:lumOff val="25000"/>
+                </a:schemeClr>
+              </a:solidFill>
+            </a:ln>
+          </p:spPr>
+          <p:style>
+            <a:lnRef idx="2">
+              <a:schemeClr val="accent1"/>
+            </a:lnRef>
+            <a:fillRef idx="0">
+              <a:schemeClr val="accent1"/>
+            </a:fillRef>
+            <a:effectRef idx="1">
+              <a:schemeClr val="accent1"/>
+            </a:effectRef>
+            <a:fontRef idx="minor">
+              <a:schemeClr val="tx1"/>
+            </a:fontRef>
+          </p:style>
+        </p:cxnSp>
+        <p:cxnSp>
+          <p:nvCxnSpPr>
+            <p:cNvPr id="177" name="直接连接符 176">
+              <a:extLst>
+                <a:ext uri="{FF2B5EF4-FFF2-40B4-BE49-F238E27FC236}">
+                  <a16:creationId xmlns:a16="http://schemas.microsoft.com/office/drawing/2014/main" id="{23B83A45-77B6-AB0F-181B-CA2A41B90D21}"/>
+                </a:ext>
+              </a:extLst>
+            </p:cNvPr>
+            <p:cNvCxnSpPr>
+              <a:cxnSpLocks/>
+            </p:cNvCxnSpPr>
+            <p:nvPr/>
+          </p:nvCxnSpPr>
+          <p:spPr>
+            <a:xfrm>
+              <a:off x="4441936" y="4729425"/>
+              <a:ext cx="0" cy="807601"/>
+            </a:xfrm>
+            <a:prstGeom prst="line">
+              <a:avLst/>
+            </a:prstGeom>
+            <a:ln>
+              <a:solidFill>
+                <a:schemeClr val="tx2">
+                  <a:lumMod val="75000"/>
+                  <a:lumOff val="25000"/>
+                </a:schemeClr>
+              </a:solidFill>
+            </a:ln>
+          </p:spPr>
+          <p:style>
+            <a:lnRef idx="2">
+              <a:schemeClr val="accent1"/>
+            </a:lnRef>
+            <a:fillRef idx="0">
+              <a:schemeClr val="accent1"/>
+            </a:fillRef>
+            <a:effectRef idx="1">
+              <a:schemeClr val="accent1"/>
+            </a:effectRef>
+            <a:fontRef idx="minor">
+              <a:schemeClr val="tx1"/>
+            </a:fontRef>
+          </p:style>
+        </p:cxnSp>
+        <p:cxnSp>
+          <p:nvCxnSpPr>
+            <p:cNvPr id="180" name="直接连接符 179">
+              <a:extLst>
+                <a:ext uri="{FF2B5EF4-FFF2-40B4-BE49-F238E27FC236}">
+                  <a16:creationId xmlns:a16="http://schemas.microsoft.com/office/drawing/2014/main" id="{160CB915-0AA4-6B79-5B09-9E4149EBC16F}"/>
+                </a:ext>
+              </a:extLst>
+            </p:cNvPr>
+            <p:cNvCxnSpPr>
+              <a:cxnSpLocks/>
+            </p:cNvCxnSpPr>
+            <p:nvPr/>
+          </p:nvCxnSpPr>
+          <p:spPr>
+            <a:xfrm>
+              <a:off x="4433915" y="4729425"/>
+              <a:ext cx="371904" cy="0"/>
+            </a:xfrm>
+            <a:prstGeom prst="line">
+              <a:avLst/>
+            </a:prstGeom>
+            <a:ln>
+              <a:solidFill>
+                <a:schemeClr val="tx2">
+                  <a:lumMod val="75000"/>
+                  <a:lumOff val="25000"/>
+                </a:schemeClr>
+              </a:solidFill>
+            </a:ln>
+          </p:spPr>
+          <p:style>
+            <a:lnRef idx="2">
+              <a:schemeClr val="accent1"/>
+            </a:lnRef>
+            <a:fillRef idx="0">
+              <a:schemeClr val="accent1"/>
+            </a:fillRef>
+            <a:effectRef idx="1">
+              <a:schemeClr val="accent1"/>
+            </a:effectRef>
+            <a:fontRef idx="minor">
+              <a:schemeClr val="tx1"/>
+            </a:fontRef>
+          </p:style>
+        </p:cxnSp>
+      </p:grpSp>
+      <p:sp>
+        <p:nvSpPr>
+          <p:cNvPr id="186" name="文本框 185">
+            <a:extLst>
+              <a:ext uri="{FF2B5EF4-FFF2-40B4-BE49-F238E27FC236}">
+                <a16:creationId xmlns:a16="http://schemas.microsoft.com/office/drawing/2014/main" id="{F837BBE1-D4D8-0DFB-4AF2-065C2D764968}"/>
+              </a:ext>
+            </a:extLst>
+          </p:cNvPr>
+          <p:cNvSpPr txBox="1">
+            <a:spLocks/>
+          </p:cNvSpPr>
+          <p:nvPr/>
+        </p:nvSpPr>
+        <p:spPr>
+          <a:xfrm>
+            <a:off x="5294979" y="5023622"/>
+            <a:ext cx="534370" cy="523220"/>
+          </a:xfrm>
+          <a:prstGeom prst="rect">
+            <a:avLst/>
+          </a:prstGeom>
+          <a:noFill/>
+        </p:spPr>
+        <p:txBody>
+          <a:bodyPr wrap="square" rtlCol="0">
+            <a:spAutoFit/>
+          </a:bodyPr>
+          <a:lstStyle/>
+          <a:p>
+            <a:r>
+              <a:rPr lang="en-US" altLang="zh-CN" sz="1400" b="1" dirty="0">
+                <a:solidFill>
+                  <a:srgbClr val="215F9A"/>
+                </a:solidFill>
+              </a:rPr>
+              <a:t>ALU unit</a:t>
+            </a:r>
+            <a:endParaRPr lang="zh-CN" altLang="en-US" sz="1400" b="1" dirty="0">
+              <a:solidFill>
+                <a:srgbClr val="215F9A"/>
               </a:solidFill>
             </a:endParaRPr>
           </a:p>
